--- a/etc/skku_term_proj.pptx
+++ b/etc/skku_term_proj.pptx
@@ -222,7 +222,7 @@
           <a:p>
             <a:fld id="{FAAEC4AE-C812-E948-A6C5-9079B8E4AD74}" type="datetimeFigureOut">
               <a:rPr lang="en-US" smtClean="0"/>
-              <a:t>12/8/17</a:t>
+              <a:t>12/10/17</a:t>
             </a:fld>
             <a:endParaRPr lang="en-US"/>
           </a:p>
@@ -2972,6 +2972,259 @@
               </a:rPr>
               <a:t> </a:t>
             </a:r>
+          </a:p>
+          <a:p>
+            <a:r>
+              <a:rPr lang="ko-KR" altLang="en-US" sz="1200" strike="sngStrike" dirty="0" smtClean="0">
+                <a:solidFill>
+                  <a:schemeClr val="accent6">
+                    <a:lumMod val="75000"/>
+                  </a:schemeClr>
+                </a:solidFill>
+              </a:rPr>
+              <a:t>즉</a:t>
+            </a:r>
+            <a:r>
+              <a:rPr lang="en-US" altLang="ko-KR" sz="1200" strike="sngStrike" dirty="0" smtClean="0">
+                <a:solidFill>
+                  <a:schemeClr val="accent6">
+                    <a:lumMod val="75000"/>
+                  </a:schemeClr>
+                </a:solidFill>
+              </a:rPr>
+              <a:t>, </a:t>
+            </a:r>
+            <a:r>
+              <a:rPr lang="ko-KR" altLang="en-US" sz="1200" strike="sngStrike" dirty="0" smtClean="0">
+                <a:solidFill>
+                  <a:schemeClr val="accent6">
+                    <a:lumMod val="75000"/>
+                  </a:schemeClr>
+                </a:solidFill>
+              </a:rPr>
+              <a:t>원하는 </a:t>
+            </a:r>
+            <a:r>
+              <a:rPr lang="en-US" altLang="ko-KR" sz="1200" strike="sngStrike" dirty="0" smtClean="0">
+                <a:solidFill>
+                  <a:schemeClr val="accent6">
+                    <a:lumMod val="75000"/>
+                  </a:schemeClr>
+                </a:solidFill>
+              </a:rPr>
+              <a:t>Data</a:t>
+            </a:r>
+            <a:r>
+              <a:rPr lang="ko-KR" altLang="en-US" sz="1200" strike="sngStrike" dirty="0" smtClean="0">
+                <a:solidFill>
+                  <a:schemeClr val="accent6">
+                    <a:lumMod val="75000"/>
+                  </a:schemeClr>
+                </a:solidFill>
+              </a:rPr>
+              <a:t>만 호출하는 것이 목적이기 때문에 </a:t>
+            </a:r>
+            <a:r>
+              <a:rPr lang="en-US" altLang="ko-KR" sz="1200" strike="sngStrike" dirty="0" smtClean="0">
+                <a:solidFill>
+                  <a:schemeClr val="accent6">
+                    <a:lumMod val="75000"/>
+                  </a:schemeClr>
+                </a:solidFill>
+              </a:rPr>
+              <a:t>Dictionary </a:t>
+            </a:r>
+            <a:r>
+              <a:rPr lang="ko-KR" altLang="en-US" sz="1200" strike="sngStrike" dirty="0" smtClean="0">
+                <a:solidFill>
+                  <a:schemeClr val="accent6">
+                    <a:lumMod val="75000"/>
+                  </a:schemeClr>
+                </a:solidFill>
+              </a:rPr>
+              <a:t>사용</a:t>
+            </a:r>
+            <a:endParaRPr lang="en-US" altLang="ko-KR" sz="1200" strike="sngStrike" dirty="0" smtClean="0">
+              <a:solidFill>
+                <a:schemeClr val="accent6">
+                  <a:lumMod val="75000"/>
+                </a:schemeClr>
+              </a:solidFill>
+            </a:endParaRPr>
+          </a:p>
+          <a:p>
+            <a:r>
+              <a:rPr lang="en-US" altLang="ko-KR" sz="1200" dirty="0" smtClean="0">
+                <a:solidFill>
+                  <a:schemeClr val="accent6">
+                    <a:lumMod val="75000"/>
+                  </a:schemeClr>
+                </a:solidFill>
+              </a:rPr>
+              <a:t>Pandas</a:t>
+            </a:r>
+            <a:r>
+              <a:rPr lang="ko-KR" altLang="en-US" sz="1200" dirty="0" smtClean="0">
+                <a:solidFill>
+                  <a:schemeClr val="accent6">
+                    <a:lumMod val="75000"/>
+                  </a:schemeClr>
+                </a:solidFill>
+              </a:rPr>
+              <a:t> </a:t>
+            </a:r>
+            <a:r>
+              <a:rPr lang="en-US" altLang="ko-KR" sz="1200" dirty="0" err="1" smtClean="0">
+                <a:solidFill>
+                  <a:schemeClr val="accent6">
+                    <a:lumMod val="75000"/>
+                  </a:schemeClr>
+                </a:solidFill>
+              </a:rPr>
+              <a:t>dataframe</a:t>
+            </a:r>
+            <a:r>
+              <a:rPr lang="ko-KR" altLang="en-US" sz="1200" dirty="0" smtClean="0">
+                <a:solidFill>
+                  <a:schemeClr val="accent6">
+                    <a:lumMod val="75000"/>
+                  </a:schemeClr>
+                </a:solidFill>
+              </a:rPr>
+              <a:t>을 만들기 위해서는 먼저 지금까지 파싱한 데이터를 각각의 항목을 </a:t>
+            </a:r>
+            <a:r>
+              <a:rPr lang="en-US" altLang="ko-KR" sz="1200" dirty="0" smtClean="0">
+                <a:solidFill>
+                  <a:schemeClr val="accent6">
+                    <a:lumMod val="75000"/>
+                  </a:schemeClr>
+                </a:solidFill>
+              </a:rPr>
+              <a:t>key</a:t>
+            </a:r>
+            <a:r>
+              <a:rPr lang="ko-KR" altLang="en-US" sz="1200" dirty="0" smtClean="0">
+                <a:solidFill>
+                  <a:schemeClr val="accent6">
+                    <a:lumMod val="75000"/>
+                  </a:schemeClr>
+                </a:solidFill>
+              </a:rPr>
+              <a:t>값으로 가지는 </a:t>
+            </a:r>
+            <a:r>
+              <a:rPr lang="en-US" altLang="ko-KR" sz="1200" dirty="0" smtClean="0">
+                <a:solidFill>
+                  <a:schemeClr val="accent6">
+                    <a:lumMod val="75000"/>
+                  </a:schemeClr>
+                </a:solidFill>
+              </a:rPr>
+              <a:t>dictionary</a:t>
+            </a:r>
+            <a:r>
+              <a:rPr lang="ko-KR" altLang="en-US" sz="1200" dirty="0" smtClean="0">
+                <a:solidFill>
+                  <a:schemeClr val="accent6">
+                    <a:lumMod val="75000"/>
+                  </a:schemeClr>
+                </a:solidFill>
+              </a:rPr>
+              <a:t>를 만들어줘야한다</a:t>
+            </a:r>
+            <a:r>
+              <a:rPr lang="en-US" altLang="ko-KR" sz="1200" dirty="0" smtClean="0">
+                <a:solidFill>
+                  <a:schemeClr val="accent6">
+                    <a:lumMod val="75000"/>
+                  </a:schemeClr>
+                </a:solidFill>
+              </a:rPr>
+              <a:t>.</a:t>
+            </a:r>
+          </a:p>
+          <a:p>
+            <a:r>
+              <a:rPr lang="en-US" altLang="ko-KR" sz="1200" dirty="0" smtClean="0">
+                <a:solidFill>
+                  <a:schemeClr val="accent6">
+                    <a:lumMod val="75000"/>
+                  </a:schemeClr>
+                </a:solidFill>
+              </a:rPr>
+              <a:t>Pandas</a:t>
+            </a:r>
+            <a:r>
+              <a:rPr lang="en-US" altLang="ko-KR" sz="1200" baseline="0" dirty="0" smtClean="0">
+                <a:solidFill>
+                  <a:schemeClr val="accent6">
+                    <a:lumMod val="75000"/>
+                  </a:schemeClr>
+                </a:solidFill>
+              </a:rPr>
+              <a:t> </a:t>
+            </a:r>
+            <a:r>
+              <a:rPr lang="en-US" altLang="ko-KR" sz="1200" baseline="0" dirty="0" err="1" smtClean="0">
+                <a:solidFill>
+                  <a:schemeClr val="accent6">
+                    <a:lumMod val="75000"/>
+                  </a:schemeClr>
+                </a:solidFill>
+              </a:rPr>
+              <a:t>dataframe</a:t>
+            </a:r>
+            <a:r>
+              <a:rPr lang="ko-KR" altLang="en-US" sz="1200" baseline="0" dirty="0" smtClean="0">
+                <a:solidFill>
+                  <a:schemeClr val="accent6">
+                    <a:lumMod val="75000"/>
+                  </a:schemeClr>
+                </a:solidFill>
+              </a:rPr>
+              <a:t>이 </a:t>
+            </a:r>
+            <a:r>
+              <a:rPr lang="en-US" altLang="ko-KR" sz="1200" baseline="0" dirty="0" smtClean="0">
+                <a:solidFill>
+                  <a:schemeClr val="accent6">
+                    <a:lumMod val="75000"/>
+                  </a:schemeClr>
+                </a:solidFill>
+              </a:rPr>
+              <a:t>dictionary</a:t>
+            </a:r>
+            <a:r>
+              <a:rPr lang="ko-KR" altLang="en-US" sz="1200" baseline="0" dirty="0" smtClean="0">
+                <a:solidFill>
+                  <a:schemeClr val="accent6">
+                    <a:lumMod val="75000"/>
+                  </a:schemeClr>
+                </a:solidFill>
+              </a:rPr>
+              <a:t>를 </a:t>
+            </a:r>
+            <a:r>
+              <a:rPr lang="en-US" altLang="ko-KR" sz="1200" baseline="0" dirty="0" smtClean="0">
+                <a:solidFill>
+                  <a:schemeClr val="accent6">
+                    <a:lumMod val="75000"/>
+                  </a:schemeClr>
+                </a:solidFill>
+              </a:rPr>
+              <a:t>input</a:t>
+            </a:r>
+            <a:r>
+              <a:rPr lang="ko-KR" altLang="en-US" sz="1200" baseline="0" dirty="0" smtClean="0">
+                <a:solidFill>
+                  <a:schemeClr val="accent6">
+                    <a:lumMod val="75000"/>
+                  </a:schemeClr>
+                </a:solidFill>
+              </a:rPr>
+              <a:t> 형식으로 요구하기 때문이다</a:t>
+            </a:r>
             <a:endParaRPr lang="en-US" altLang="ko-KR" sz="1200" dirty="0" smtClean="0">
               <a:solidFill>
                 <a:schemeClr val="accent6">
@@ -2981,77 +3234,7 @@
             </a:endParaRPr>
           </a:p>
           <a:p>
-            <a:r>
-              <a:rPr lang="ko-KR" altLang="en-US" sz="1200" strike="sngStrike" dirty="0" smtClean="0">
-                <a:solidFill>
-                  <a:schemeClr val="accent6">
-                    <a:lumMod val="75000"/>
-                  </a:schemeClr>
-                </a:solidFill>
-              </a:rPr>
-              <a:t>즉</a:t>
-            </a:r>
-            <a:r>
-              <a:rPr lang="en-US" altLang="ko-KR" sz="1200" strike="sngStrike" dirty="0" smtClean="0">
-                <a:solidFill>
-                  <a:schemeClr val="accent6">
-                    <a:lumMod val="75000"/>
-                  </a:schemeClr>
-                </a:solidFill>
-              </a:rPr>
-              <a:t>, </a:t>
-            </a:r>
-            <a:r>
-              <a:rPr lang="ko-KR" altLang="en-US" sz="1200" strike="sngStrike" dirty="0" smtClean="0">
-                <a:solidFill>
-                  <a:schemeClr val="accent6">
-                    <a:lumMod val="75000"/>
-                  </a:schemeClr>
-                </a:solidFill>
-              </a:rPr>
-              <a:t>원하는 </a:t>
-            </a:r>
-            <a:r>
-              <a:rPr lang="en-US" altLang="ko-KR" sz="1200" strike="sngStrike" dirty="0" smtClean="0">
-                <a:solidFill>
-                  <a:schemeClr val="accent6">
-                    <a:lumMod val="75000"/>
-                  </a:schemeClr>
-                </a:solidFill>
-              </a:rPr>
-              <a:t>Data</a:t>
-            </a:r>
-            <a:r>
-              <a:rPr lang="ko-KR" altLang="en-US" sz="1200" strike="sngStrike" dirty="0" smtClean="0">
-                <a:solidFill>
-                  <a:schemeClr val="accent6">
-                    <a:lumMod val="75000"/>
-                  </a:schemeClr>
-                </a:solidFill>
-              </a:rPr>
-              <a:t>만 호출하는 것이 목적이기 때문에 </a:t>
-            </a:r>
-            <a:r>
-              <a:rPr lang="en-US" altLang="ko-KR" sz="1200" strike="sngStrike" dirty="0" smtClean="0">
-                <a:solidFill>
-                  <a:schemeClr val="accent6">
-                    <a:lumMod val="75000"/>
-                  </a:schemeClr>
-                </a:solidFill>
-              </a:rPr>
-              <a:t>Dictionary </a:t>
-            </a:r>
-            <a:r>
-              <a:rPr lang="ko-KR" altLang="en-US" sz="1200" strike="sngStrike" dirty="0" smtClean="0">
-                <a:solidFill>
-                  <a:schemeClr val="accent6">
-                    <a:lumMod val="75000"/>
-                  </a:schemeClr>
-                </a:solidFill>
-              </a:rPr>
-              <a:t>사용</a:t>
-            </a:r>
-            <a:endParaRPr lang="en-US" altLang="ko-KR" sz="1200" strike="sngStrike" dirty="0" smtClean="0">
+            <a:endParaRPr lang="en-US" sz="1200" dirty="0" smtClean="0">
               <a:solidFill>
                 <a:schemeClr val="accent6">
                   <a:lumMod val="75000"/>
@@ -3068,170 +3251,10 @@
                   </a:schemeClr>
                 </a:solidFill>
               </a:rPr>
-              <a:t>Pandas</a:t>
-            </a:r>
-            <a:r>
-              <a:rPr lang="ko-KR" altLang="en-US" sz="1200" dirty="0" smtClean="0">
-                <a:solidFill>
-                  <a:schemeClr val="accent6">
-                    <a:lumMod val="75000"/>
-                  </a:schemeClr>
-                </a:solidFill>
-              </a:rPr>
-              <a:t> </a:t>
-            </a:r>
-            <a:r>
-              <a:rPr lang="en-US" altLang="ko-KR" sz="1200" dirty="0" err="1" smtClean="0">
-                <a:solidFill>
-                  <a:schemeClr val="accent6">
-                    <a:lumMod val="75000"/>
-                  </a:schemeClr>
-                </a:solidFill>
-              </a:rPr>
-              <a:t>dataframe</a:t>
-            </a:r>
-            <a:r>
-              <a:rPr lang="ko-KR" altLang="en-US" sz="1200" dirty="0" smtClean="0">
-                <a:solidFill>
-                  <a:schemeClr val="accent6">
-                    <a:lumMod val="75000"/>
-                  </a:schemeClr>
-                </a:solidFill>
-              </a:rPr>
-              <a:t>을 만들기 위해서는 먼저 지금까지 파싱한 데이터를 각각의 항목을 </a:t>
-            </a:r>
-            <a:r>
-              <a:rPr lang="en-US" altLang="ko-KR" sz="1200" dirty="0" smtClean="0">
-                <a:solidFill>
-                  <a:schemeClr val="accent6">
-                    <a:lumMod val="75000"/>
-                  </a:schemeClr>
-                </a:solidFill>
-              </a:rPr>
-              <a:t>key</a:t>
-            </a:r>
-            <a:r>
-              <a:rPr lang="ko-KR" altLang="en-US" sz="1200" dirty="0" smtClean="0">
-                <a:solidFill>
-                  <a:schemeClr val="accent6">
-                    <a:lumMod val="75000"/>
-                  </a:schemeClr>
-                </a:solidFill>
-              </a:rPr>
-              <a:t>값으로 가지는 </a:t>
-            </a:r>
-            <a:r>
-              <a:rPr lang="en-US" altLang="ko-KR" sz="1200" dirty="0" smtClean="0">
-                <a:solidFill>
-                  <a:schemeClr val="accent6">
-                    <a:lumMod val="75000"/>
-                  </a:schemeClr>
-                </a:solidFill>
-              </a:rPr>
-              <a:t>dictionary</a:t>
-            </a:r>
-            <a:r>
-              <a:rPr lang="ko-KR" altLang="en-US" sz="1200" dirty="0" smtClean="0">
-                <a:solidFill>
-                  <a:schemeClr val="accent6">
-                    <a:lumMod val="75000"/>
-                  </a:schemeClr>
-                </a:solidFill>
-              </a:rPr>
-              <a:t>를 만들어줘야한다</a:t>
-            </a:r>
-            <a:r>
-              <a:rPr lang="en-US" altLang="ko-KR" sz="1200" dirty="0" smtClean="0">
-                <a:solidFill>
-                  <a:schemeClr val="accent6">
-                    <a:lumMod val="75000"/>
-                  </a:schemeClr>
-                </a:solidFill>
-              </a:rPr>
-              <a:t>.</a:t>
-            </a:r>
-          </a:p>
-          <a:p>
-            <a:r>
-              <a:rPr lang="en-US" altLang="ko-KR" sz="1200" dirty="0" smtClean="0">
-                <a:solidFill>
-                  <a:schemeClr val="accent6">
-                    <a:lumMod val="75000"/>
-                  </a:schemeClr>
-                </a:solidFill>
-              </a:rPr>
-              <a:t>Pandas</a:t>
-            </a:r>
-            <a:r>
-              <a:rPr lang="en-US" altLang="ko-KR" sz="1200" baseline="0" dirty="0" smtClean="0">
-                <a:solidFill>
-                  <a:schemeClr val="accent6">
-                    <a:lumMod val="75000"/>
-                  </a:schemeClr>
-                </a:solidFill>
-              </a:rPr>
-              <a:t> </a:t>
-            </a:r>
-            <a:r>
-              <a:rPr lang="en-US" altLang="ko-KR" sz="1200" baseline="0" dirty="0" err="1" smtClean="0">
-                <a:solidFill>
-                  <a:schemeClr val="accent6">
-                    <a:lumMod val="75000"/>
-                  </a:schemeClr>
-                </a:solidFill>
-              </a:rPr>
-              <a:t>dataframe</a:t>
-            </a:r>
-            <a:r>
-              <a:rPr lang="ko-KR" altLang="en-US" sz="1200" baseline="0" dirty="0" smtClean="0">
-                <a:solidFill>
-                  <a:schemeClr val="accent6">
-                    <a:lumMod val="75000"/>
-                  </a:schemeClr>
-                </a:solidFill>
-              </a:rPr>
-              <a:t>이 </a:t>
-            </a:r>
-            <a:r>
-              <a:rPr lang="en-US" altLang="ko-KR" sz="1200" baseline="0" dirty="0" smtClean="0">
-                <a:solidFill>
-                  <a:schemeClr val="accent6">
-                    <a:lumMod val="75000"/>
-                  </a:schemeClr>
-                </a:solidFill>
-              </a:rPr>
-              <a:t>dictionary</a:t>
-            </a:r>
-            <a:r>
-              <a:rPr lang="ko-KR" altLang="en-US" sz="1200" baseline="0" dirty="0" smtClean="0">
-                <a:solidFill>
-                  <a:schemeClr val="accent6">
-                    <a:lumMod val="75000"/>
-                  </a:schemeClr>
-                </a:solidFill>
-              </a:rPr>
-              <a:t>를 </a:t>
-            </a:r>
-            <a:r>
-              <a:rPr lang="en-US" altLang="ko-KR" sz="1200" baseline="0" dirty="0" smtClean="0">
-                <a:solidFill>
-                  <a:schemeClr val="accent6">
-                    <a:lumMod val="75000"/>
-                  </a:schemeClr>
-                </a:solidFill>
-              </a:rPr>
-              <a:t>input</a:t>
-            </a:r>
-            <a:r>
-              <a:rPr lang="ko-KR" altLang="en-US" sz="1200" baseline="0" dirty="0" smtClean="0">
-                <a:solidFill>
-                  <a:schemeClr val="accent6">
-                    <a:lumMod val="75000"/>
-                  </a:schemeClr>
-                </a:solidFill>
-              </a:rPr>
-              <a:t> 형식으로 요구하기 때문이다</a:t>
-            </a:r>
+              <a:t>--------</a:t>
+            </a:r>
+          </a:p>
+          <a:p>
             <a:endParaRPr lang="en-US" altLang="ko-KR" sz="1200" dirty="0" smtClean="0">
               <a:solidFill>
                 <a:schemeClr val="accent6">
@@ -3241,6 +3264,120 @@
             </a:endParaRPr>
           </a:p>
           <a:p>
+            <a:r>
+              <a:rPr lang="en-US" sz="1200" dirty="0" smtClean="0">
+                <a:solidFill>
+                  <a:schemeClr val="accent6">
+                    <a:lumMod val="75000"/>
+                  </a:schemeClr>
+                </a:solidFill>
+              </a:rPr>
+              <a:t># </a:t>
+            </a:r>
+            <a:r>
+              <a:rPr lang="ko-KR" altLang="en-US" sz="1200" dirty="0" smtClean="0">
+                <a:solidFill>
+                  <a:schemeClr val="accent6">
+                    <a:lumMod val="75000"/>
+                  </a:schemeClr>
+                </a:solidFill>
+              </a:rPr>
+              <a:t>데이터를 날짜순으로 정렬하고 </a:t>
+            </a:r>
+            <a:r>
+              <a:rPr lang="en-US" altLang="ko-KR" sz="1200" u="none" strike="sngStrike" dirty="0" smtClean="0">
+                <a:solidFill>
+                  <a:schemeClr val="accent6">
+                    <a:lumMod val="75000"/>
+                  </a:schemeClr>
+                </a:solidFill>
+              </a:rPr>
+              <a:t>input</a:t>
+            </a:r>
+            <a:r>
+              <a:rPr lang="ko-KR" altLang="en-US" sz="1200" u="none" strike="sngStrike" dirty="0" smtClean="0">
+                <a:solidFill>
+                  <a:schemeClr val="accent6">
+                    <a:lumMod val="75000"/>
+                  </a:schemeClr>
+                </a:solidFill>
+              </a:rPr>
+              <a:t>으로 날짜를 입력시키면 해당날짜의 정보를 불러올 수 있게 하였다</a:t>
+            </a:r>
+            <a:r>
+              <a:rPr lang="en-US" altLang="ko-KR" sz="1200" u="none" strike="sngStrike" dirty="0" smtClean="0">
+                <a:solidFill>
+                  <a:schemeClr val="accent6">
+                    <a:lumMod val="75000"/>
+                  </a:schemeClr>
+                </a:solidFill>
+              </a:rPr>
+              <a:t>.</a:t>
+            </a:r>
+            <a:r>
+              <a:rPr lang="en-US" altLang="ko-KR" sz="1200" dirty="0" smtClean="0">
+                <a:solidFill>
+                  <a:schemeClr val="accent6">
+                    <a:lumMod val="75000"/>
+                  </a:schemeClr>
+                </a:solidFill>
+              </a:rPr>
+              <a:t> </a:t>
+            </a:r>
+          </a:p>
+          <a:p>
+            <a:r>
+              <a:rPr lang="en-US" altLang="ko-KR" sz="1200" dirty="0" err="1" smtClean="0">
+                <a:solidFill>
+                  <a:schemeClr val="accent6">
+                    <a:lumMod val="75000"/>
+                  </a:schemeClr>
+                </a:solidFill>
+              </a:rPr>
+              <a:t>Dataframe</a:t>
+            </a:r>
+            <a:r>
+              <a:rPr lang="ko-KR" altLang="en-US" sz="1200" dirty="0" smtClean="0">
+                <a:solidFill>
+                  <a:schemeClr val="accent6">
+                    <a:lumMod val="75000"/>
+                  </a:schemeClr>
+                </a:solidFill>
+              </a:rPr>
+              <a:t>의 </a:t>
+            </a:r>
+            <a:r>
+              <a:rPr lang="en-US" altLang="ko-KR" sz="1200" dirty="0" smtClean="0">
+                <a:solidFill>
+                  <a:schemeClr val="accent6">
+                    <a:lumMod val="75000"/>
+                  </a:schemeClr>
+                </a:solidFill>
+              </a:rPr>
+              <a:t>index column</a:t>
+            </a:r>
+            <a:r>
+              <a:rPr lang="ko-KR" altLang="en-US" sz="1200" dirty="0" smtClean="0">
+                <a:solidFill>
+                  <a:schemeClr val="accent6">
+                    <a:lumMod val="75000"/>
+                  </a:schemeClr>
+                </a:solidFill>
+              </a:rPr>
+              <a:t>을 날짜 항목의 열로 설정을 하여 날짜를 입력하면 해당 행을 호출해 올수 있도록 하였다</a:t>
+            </a:r>
+            <a:r>
+              <a:rPr lang="en-US" altLang="ko-KR" sz="1200" dirty="0" smtClean="0">
+                <a:solidFill>
+                  <a:schemeClr val="accent6">
+                    <a:lumMod val="75000"/>
+                  </a:schemeClr>
+                </a:solidFill>
+              </a:rPr>
+              <a:t>.</a:t>
+            </a:r>
+          </a:p>
+          <a:p>
             <a:endParaRPr lang="en-US" sz="1200" dirty="0" smtClean="0">
               <a:solidFill>
                 <a:schemeClr val="accent6">
@@ -3260,6 +3397,8 @@
               </a:rPr>
               <a:t>--------</a:t>
             </a:r>
+          </a:p>
+          <a:p>
             <a:endParaRPr lang="en-US" altLang="ko-KR" sz="1200" dirty="0" smtClean="0">
               <a:solidFill>
                 <a:schemeClr val="accent6">
@@ -3269,17 +3408,8 @@
             </a:endParaRPr>
           </a:p>
           <a:p>
-            <a:endParaRPr lang="en-US" altLang="ko-KR" sz="1200" dirty="0" smtClean="0">
-              <a:solidFill>
-                <a:schemeClr val="accent6">
-                  <a:lumMod val="75000"/>
-                </a:schemeClr>
-              </a:solidFill>
-            </a:endParaRPr>
-          </a:p>
-          <a:p>
-            <a:r>
-              <a:rPr lang="en-US" sz="1200" dirty="0" smtClean="0">
+            <a:r>
+              <a:rPr lang="en-US" altLang="ko-KR" sz="1200" dirty="0" smtClean="0">
                 <a:solidFill>
                   <a:schemeClr val="accent6">
                     <a:lumMod val="75000"/>
@@ -3289,54 +3419,54 @@
               <a:t># </a:t>
             </a:r>
             <a:r>
-              <a:rPr lang="ko-KR" altLang="en-US" sz="1200" dirty="0" smtClean="0">
+              <a:rPr lang="en-US" altLang="ko-KR" sz="1200" strike="sngStrike" dirty="0" smtClean="0">
                 <a:solidFill>
                   <a:schemeClr val="accent6">
                     <a:lumMod val="75000"/>
                   </a:schemeClr>
                 </a:solidFill>
               </a:rPr>
-              <a:t>데이터를 </a:t>
-            </a:r>
-            <a:r>
-              <a:rPr lang="ko-KR" altLang="en-US" sz="1200" dirty="0" smtClean="0">
+              <a:t>Dictionary</a:t>
+            </a:r>
+            <a:r>
+              <a:rPr lang="ko-KR" altLang="en-US" sz="1200" strike="sngStrike" dirty="0" smtClean="0">
                 <a:solidFill>
                   <a:schemeClr val="accent6">
                     <a:lumMod val="75000"/>
                   </a:schemeClr>
                 </a:solidFill>
               </a:rPr>
-              <a:t>날짜순으로 정렬하고 </a:t>
-            </a:r>
-            <a:r>
-              <a:rPr lang="en-US" altLang="ko-KR" sz="1200" u="none" strike="sngStrike" dirty="0" smtClean="0">
+              <a:t>로 </a:t>
+            </a:r>
+            <a:r>
+              <a:rPr lang="en-US" altLang="ko-KR" sz="1200" strike="sngStrike" dirty="0" smtClean="0">
                 <a:solidFill>
                   <a:schemeClr val="accent6">
                     <a:lumMod val="75000"/>
                   </a:schemeClr>
                 </a:solidFill>
               </a:rPr>
-              <a:t>input</a:t>
-            </a:r>
-            <a:r>
-              <a:rPr lang="ko-KR" altLang="en-US" sz="1200" u="none" strike="sngStrike" dirty="0" smtClean="0">
+              <a:t>Data</a:t>
+            </a:r>
+            <a:r>
+              <a:rPr lang="ko-KR" altLang="en-US" sz="1200" strike="sngStrike" dirty="0" smtClean="0">
                 <a:solidFill>
                   <a:schemeClr val="accent6">
                     <a:lumMod val="75000"/>
                   </a:schemeClr>
                 </a:solidFill>
               </a:rPr>
-              <a:t>으로 날짜를 입력시키면 해당날짜의 정보를 불러올 수 있게 하였다</a:t>
-            </a:r>
-            <a:r>
-              <a:rPr lang="en-US" altLang="ko-KR" sz="1200" u="none" strike="sngStrike" dirty="0" smtClean="0">
+              <a:t>를 저장하였기 때문에</a:t>
+            </a:r>
+            <a:r>
+              <a:rPr lang="ko-KR" altLang="en-US" sz="1200" dirty="0" smtClean="0">
                 <a:solidFill>
                   <a:schemeClr val="accent6">
                     <a:lumMod val="75000"/>
                   </a:schemeClr>
                 </a:solidFill>
               </a:rPr>
-              <a:t>.</a:t>
+              <a:t> </a:t>
             </a:r>
             <a:r>
               <a:rPr lang="en-US" altLang="ko-KR" sz="1200" dirty="0" smtClean="0">
@@ -3346,99 +3476,68 @@
                   </a:schemeClr>
                 </a:solidFill>
               </a:rPr>
-              <a:t> </a:t>
-            </a:r>
-            <a:endParaRPr lang="en-US" altLang="ko-KR" sz="1200" dirty="0" smtClean="0">
-              <a:solidFill>
-                <a:schemeClr val="accent6">
-                  <a:lumMod val="75000"/>
-                </a:schemeClr>
-              </a:solidFill>
-            </a:endParaRPr>
-          </a:p>
-          <a:p>
-            <a:r>
-              <a:rPr lang="en-US" altLang="ko-KR" sz="1200" dirty="0" err="1" smtClean="0">
+              <a:t>dictionary</a:t>
+            </a:r>
+            <a:r>
+              <a:rPr lang="ko-KR" altLang="en-US" sz="1200" dirty="0" smtClean="0">
                 <a:solidFill>
                   <a:schemeClr val="accent6">
                     <a:lumMod val="75000"/>
                   </a:schemeClr>
                 </a:solidFill>
               </a:rPr>
-              <a:t>Dataframe</a:t>
-            </a:r>
-            <a:r>
-              <a:rPr lang="ko-KR" altLang="en-US" sz="1200" dirty="0" smtClean="0">
+              <a:t>를 </a:t>
+            </a:r>
+            <a:r>
+              <a:rPr lang="en-US" altLang="ko-KR" sz="1200" dirty="0" smtClean="0">
                 <a:solidFill>
                   <a:schemeClr val="accent6">
                     <a:lumMod val="75000"/>
                   </a:schemeClr>
                 </a:solidFill>
               </a:rPr>
-              <a:t>의 </a:t>
-            </a:r>
-            <a:r>
-              <a:rPr lang="en-US" altLang="ko-KR" sz="1200" dirty="0" smtClean="0">
+              <a:t>input</a:t>
+            </a:r>
+            <a:r>
+              <a:rPr lang="en-US" altLang="ko-KR" sz="1200" baseline="0" dirty="0" smtClean="0">
                 <a:solidFill>
                   <a:schemeClr val="accent6">
                     <a:lumMod val="75000"/>
                   </a:schemeClr>
                 </a:solidFill>
               </a:rPr>
-              <a:t>index column</a:t>
-            </a:r>
-            <a:r>
-              <a:rPr lang="ko-KR" altLang="en-US" sz="1200" dirty="0" smtClean="0">
+              <a:t> </a:t>
+            </a:r>
+            <a:r>
+              <a:rPr lang="ko-KR" altLang="en-US" sz="1200" baseline="0" dirty="0" smtClean="0">
                 <a:solidFill>
                   <a:schemeClr val="accent6">
                     <a:lumMod val="75000"/>
                   </a:schemeClr>
                 </a:solidFill>
               </a:rPr>
-              <a:t>을 날짜 항목의 열로 설정을 하여 날짜를 입력하면 해당 행을 호출해 올수 있도록 하였다</a:t>
-            </a:r>
-            <a:r>
-              <a:rPr lang="en-US" altLang="ko-KR" sz="1200" dirty="0" smtClean="0">
+              <a:t>값으로 받아 생성한 </a:t>
+            </a:r>
+            <a:r>
+              <a:rPr lang="en-US" altLang="ko-KR" sz="1200" baseline="0" dirty="0" err="1" smtClean="0">
                 <a:solidFill>
                   <a:schemeClr val="accent6">
                     <a:lumMod val="75000"/>
                   </a:schemeClr>
                 </a:solidFill>
               </a:rPr>
-              <a:t>.</a:t>
-            </a:r>
-          </a:p>
-          <a:p>
-            <a:endParaRPr lang="en-US" sz="1200" dirty="0" smtClean="0">
-              <a:solidFill>
-                <a:schemeClr val="accent6">
-                  <a:lumMod val="75000"/>
-                </a:schemeClr>
-              </a:solidFill>
-            </a:endParaRPr>
-          </a:p>
-          <a:p>
-            <a:r>
-              <a:rPr lang="en-US" altLang="ko-KR" sz="1200" dirty="0" smtClean="0">
+              <a:t>dataframe</a:t>
+            </a:r>
+            <a:r>
+              <a:rPr lang="ko-KR" altLang="en-US" sz="1200" baseline="0" dirty="0" smtClean="0">
                 <a:solidFill>
                   <a:schemeClr val="accent6">
                     <a:lumMod val="75000"/>
                   </a:schemeClr>
                 </a:solidFill>
               </a:rPr>
-              <a:t>--------</a:t>
-            </a:r>
-          </a:p>
-          <a:p>
-            <a:endParaRPr lang="en-US" altLang="ko-KR" sz="1200" dirty="0" smtClean="0">
-              <a:solidFill>
-                <a:schemeClr val="accent6">
-                  <a:lumMod val="75000"/>
-                </a:schemeClr>
-              </a:solidFill>
-            </a:endParaRPr>
-          </a:p>
-          <a:p>
+              <a:t>은 </a:t>
+            </a:r>
             <a:r>
               <a:rPr lang="en-US" altLang="ko-KR" sz="1200" dirty="0" smtClean="0">
                 <a:solidFill>
@@ -3447,47 +3546,49 @@
                   </a:schemeClr>
                 </a:solidFill>
               </a:rPr>
-              <a:t># </a:t>
-            </a:r>
-            <a:r>
-              <a:rPr lang="en-US" altLang="ko-KR" sz="1200" strike="sngStrike" dirty="0" smtClean="0">
+              <a:t>column</a:t>
+            </a:r>
+            <a:r>
+              <a:rPr lang="ko-KR" altLang="en-US" sz="1200" dirty="0" smtClean="0">
                 <a:solidFill>
                   <a:schemeClr val="accent6">
                     <a:lumMod val="75000"/>
                   </a:schemeClr>
                 </a:solidFill>
               </a:rPr>
-              <a:t>Dictionary</a:t>
-            </a:r>
-            <a:r>
-              <a:rPr lang="ko-KR" altLang="en-US" sz="1200" strike="sngStrike" dirty="0" smtClean="0">
+              <a:t>의 순서가 없다</a:t>
+            </a:r>
+            <a:r>
+              <a:rPr lang="en-US" altLang="ko-KR" sz="1200" dirty="0" smtClean="0">
                 <a:solidFill>
                   <a:schemeClr val="accent6">
                     <a:lumMod val="75000"/>
                   </a:schemeClr>
                 </a:solidFill>
               </a:rPr>
-              <a:t>로 </a:t>
-            </a:r>
-            <a:r>
-              <a:rPr lang="en-US" altLang="ko-KR" sz="1200" strike="sngStrike" dirty="0" smtClean="0">
+              <a:t>. </a:t>
+            </a:r>
+          </a:p>
+          <a:p>
+            <a:r>
+              <a:rPr lang="ko-KR" altLang="en-US" sz="1200" dirty="0" smtClean="0">
                 <a:solidFill>
                   <a:schemeClr val="accent6">
                     <a:lumMod val="75000"/>
                   </a:schemeClr>
                 </a:solidFill>
               </a:rPr>
-              <a:t>Data</a:t>
-            </a:r>
-            <a:r>
-              <a:rPr lang="ko-KR" altLang="en-US" sz="1200" strike="sngStrike" dirty="0" smtClean="0">
+              <a:t>이 과정을 통해 </a:t>
+            </a:r>
+            <a:r>
+              <a:rPr lang="en-US" altLang="ko-KR" sz="1200" dirty="0" err="1" smtClean="0">
                 <a:solidFill>
                   <a:schemeClr val="accent6">
                     <a:lumMod val="75000"/>
                   </a:schemeClr>
                 </a:solidFill>
               </a:rPr>
-              <a:t>를 저장하였기 때문에</a:t>
+              <a:t>dataframe</a:t>
             </a:r>
             <a:r>
               <a:rPr lang="ko-KR" altLang="en-US" sz="1200" dirty="0" smtClean="0">
@@ -3497,7 +3598,7 @@
                   </a:schemeClr>
                 </a:solidFill>
               </a:rPr>
-              <a:t> </a:t>
+              <a:t>의 </a:t>
             </a:r>
             <a:r>
               <a:rPr lang="en-US" altLang="ko-KR" sz="1200" dirty="0" smtClean="0">
@@ -3507,7 +3608,7 @@
                   </a:schemeClr>
                 </a:solidFill>
               </a:rPr>
-              <a:t>dictionary</a:t>
+              <a:t>column</a:t>
             </a:r>
             <a:r>
               <a:rPr lang="ko-KR" altLang="en-US" sz="1200" dirty="0" smtClean="0">
@@ -3517,7 +3618,7 @@
                   </a:schemeClr>
                 </a:solidFill>
               </a:rPr>
-              <a:t>를 </a:t>
+              <a:t>의 순서를 정렬하였다</a:t>
             </a:r>
             <a:r>
               <a:rPr lang="en-US" altLang="ko-KR" sz="1200" dirty="0" smtClean="0">
@@ -3527,154 +3628,8 @@
                   </a:schemeClr>
                 </a:solidFill>
               </a:rPr>
-              <a:t>input</a:t>
-            </a:r>
-            <a:r>
-              <a:rPr lang="en-US" altLang="ko-KR" sz="1200" baseline="0" dirty="0" smtClean="0">
-                <a:solidFill>
-                  <a:schemeClr val="accent6">
-                    <a:lumMod val="75000"/>
-                  </a:schemeClr>
-                </a:solidFill>
-              </a:rPr>
-              <a:t> </a:t>
-            </a:r>
-            <a:r>
-              <a:rPr lang="ko-KR" altLang="en-US" sz="1200" baseline="0" dirty="0" smtClean="0">
-                <a:solidFill>
-                  <a:schemeClr val="accent6">
-                    <a:lumMod val="75000"/>
-                  </a:schemeClr>
-                </a:solidFill>
-              </a:rPr>
-              <a:t>값으로 받아 생성한 </a:t>
-            </a:r>
-            <a:r>
-              <a:rPr lang="en-US" altLang="ko-KR" sz="1200" baseline="0" dirty="0" err="1" smtClean="0">
-                <a:solidFill>
-                  <a:schemeClr val="accent6">
-                    <a:lumMod val="75000"/>
-                  </a:schemeClr>
-                </a:solidFill>
-              </a:rPr>
-              <a:t>dataframe</a:t>
-            </a:r>
-            <a:r>
-              <a:rPr lang="ko-KR" altLang="en-US" sz="1200" baseline="0" dirty="0" smtClean="0">
-                <a:solidFill>
-                  <a:schemeClr val="accent6">
-                    <a:lumMod val="75000"/>
-                  </a:schemeClr>
-                </a:solidFill>
-              </a:rPr>
-              <a:t>은 </a:t>
-            </a:r>
-            <a:r>
-              <a:rPr lang="en-US" altLang="ko-KR" sz="1200" dirty="0" smtClean="0">
-                <a:solidFill>
-                  <a:schemeClr val="accent6">
-                    <a:lumMod val="75000"/>
-                  </a:schemeClr>
-                </a:solidFill>
-              </a:rPr>
-              <a:t>column</a:t>
-            </a:r>
-            <a:r>
-              <a:rPr lang="ko-KR" altLang="en-US" sz="1200" dirty="0" smtClean="0">
-                <a:solidFill>
-                  <a:schemeClr val="accent6">
-                    <a:lumMod val="75000"/>
-                  </a:schemeClr>
-                </a:solidFill>
-              </a:rPr>
-              <a:t>의 순서가 없다</a:t>
-            </a:r>
-            <a:r>
-              <a:rPr lang="en-US" altLang="ko-KR" sz="1200" dirty="0" smtClean="0">
-                <a:solidFill>
-                  <a:schemeClr val="accent6">
-                    <a:lumMod val="75000"/>
-                  </a:schemeClr>
-                </a:solidFill>
-              </a:rPr>
-              <a:t>. </a:t>
-            </a:r>
-            <a:endParaRPr lang="en-US" altLang="ko-KR" sz="1200" dirty="0" smtClean="0">
-              <a:solidFill>
-                <a:schemeClr val="accent6">
-                  <a:lumMod val="75000"/>
-                </a:schemeClr>
-              </a:solidFill>
-            </a:endParaRPr>
-          </a:p>
-          <a:p>
-            <a:r>
-              <a:rPr lang="ko-KR" altLang="en-US" sz="1200" dirty="0" smtClean="0">
-                <a:solidFill>
-                  <a:schemeClr val="accent6">
-                    <a:lumMod val="75000"/>
-                  </a:schemeClr>
-                </a:solidFill>
-              </a:rPr>
-              <a:t>이 과정을 통해 </a:t>
-            </a:r>
-            <a:r>
-              <a:rPr lang="en-US" altLang="ko-KR" sz="1200" dirty="0" err="1" smtClean="0">
-                <a:solidFill>
-                  <a:schemeClr val="accent6">
-                    <a:lumMod val="75000"/>
-                  </a:schemeClr>
-                </a:solidFill>
-              </a:rPr>
-              <a:t>dataframe</a:t>
-            </a:r>
-            <a:r>
-              <a:rPr lang="ko-KR" altLang="en-US" sz="1200" dirty="0" smtClean="0">
-                <a:solidFill>
-                  <a:schemeClr val="accent6">
-                    <a:lumMod val="75000"/>
-                  </a:schemeClr>
-                </a:solidFill>
-              </a:rPr>
-              <a:t>의 </a:t>
-            </a:r>
-            <a:r>
-              <a:rPr lang="en-US" altLang="ko-KR" sz="1200" dirty="0" smtClean="0">
-                <a:solidFill>
-                  <a:schemeClr val="accent6">
-                    <a:lumMod val="75000"/>
-                  </a:schemeClr>
-                </a:solidFill>
-              </a:rPr>
-              <a:t>column</a:t>
-            </a:r>
-            <a:r>
-              <a:rPr lang="ko-KR" altLang="en-US" sz="1200" dirty="0" smtClean="0">
-                <a:solidFill>
-                  <a:schemeClr val="accent6">
-                    <a:lumMod val="75000"/>
-                  </a:schemeClr>
-                </a:solidFill>
-              </a:rPr>
-              <a:t>의 순서를 정렬하였다</a:t>
-            </a:r>
-            <a:r>
-              <a:rPr lang="en-US" altLang="ko-KR" sz="1200" dirty="0" smtClean="0">
-                <a:solidFill>
-                  <a:schemeClr val="accent6">
-                    <a:lumMod val="75000"/>
-                  </a:schemeClr>
-                </a:solidFill>
-              </a:rPr>
               <a:t>.         </a:t>
             </a:r>
-            <a:endParaRPr lang="en-US" altLang="ko-KR" sz="1200" dirty="0" smtClean="0">
-              <a:solidFill>
-                <a:schemeClr val="accent6">
-                  <a:lumMod val="75000"/>
-                </a:schemeClr>
-              </a:solidFill>
-            </a:endParaRPr>
           </a:p>
           <a:p>
             <a:endParaRPr lang="en-US" altLang="ko-KR" sz="1200" dirty="0" smtClean="0">
@@ -4130,7 +4085,7 @@
           <a:p>
             <a:fld id="{0317F239-EE01-4A70-A7D1-E3DF21DB9FCB}" type="datetimeFigureOut">
               <a:rPr lang="ko-KR" altLang="en-US" smtClean="0"/>
-              <a:t>2017. 12. 8.</a:t>
+              <a:t>2017. 12. 10.</a:t>
             </a:fld>
             <a:endParaRPr lang="ko-KR" altLang="en-US"/>
           </a:p>
@@ -4328,7 +4283,7 @@
           <a:p>
             <a:fld id="{0317F239-EE01-4A70-A7D1-E3DF21DB9FCB}" type="datetimeFigureOut">
               <a:rPr lang="ko-KR" altLang="en-US" smtClean="0"/>
-              <a:t>2017. 12. 8.</a:t>
+              <a:t>2017. 12. 10.</a:t>
             </a:fld>
             <a:endParaRPr lang="ko-KR" altLang="en-US"/>
           </a:p>
@@ -4536,7 +4491,7 @@
           <a:p>
             <a:fld id="{0317F239-EE01-4A70-A7D1-E3DF21DB9FCB}" type="datetimeFigureOut">
               <a:rPr lang="ko-KR" altLang="en-US" smtClean="0"/>
-              <a:t>2017. 12. 8.</a:t>
+              <a:t>2017. 12. 10.</a:t>
             </a:fld>
             <a:endParaRPr lang="ko-KR" altLang="en-US"/>
           </a:p>
@@ -4734,7 +4689,7 @@
           <a:p>
             <a:fld id="{0317F239-EE01-4A70-A7D1-E3DF21DB9FCB}" type="datetimeFigureOut">
               <a:rPr lang="ko-KR" altLang="en-US" smtClean="0"/>
-              <a:t>2017. 12. 8.</a:t>
+              <a:t>2017. 12. 10.</a:t>
             </a:fld>
             <a:endParaRPr lang="ko-KR" altLang="en-US"/>
           </a:p>
@@ -5009,7 +4964,7 @@
           <a:p>
             <a:fld id="{0317F239-EE01-4A70-A7D1-E3DF21DB9FCB}" type="datetimeFigureOut">
               <a:rPr lang="ko-KR" altLang="en-US" smtClean="0"/>
-              <a:t>2017. 12. 8.</a:t>
+              <a:t>2017. 12. 10.</a:t>
             </a:fld>
             <a:endParaRPr lang="ko-KR" altLang="en-US"/>
           </a:p>
@@ -5274,7 +5229,7 @@
           <a:p>
             <a:fld id="{0317F239-EE01-4A70-A7D1-E3DF21DB9FCB}" type="datetimeFigureOut">
               <a:rPr lang="ko-KR" altLang="en-US" smtClean="0"/>
-              <a:t>2017. 12. 8.</a:t>
+              <a:t>2017. 12. 10.</a:t>
             </a:fld>
             <a:endParaRPr lang="ko-KR" altLang="en-US"/>
           </a:p>
@@ -5686,7 +5641,7 @@
           <a:p>
             <a:fld id="{0317F239-EE01-4A70-A7D1-E3DF21DB9FCB}" type="datetimeFigureOut">
               <a:rPr lang="ko-KR" altLang="en-US" smtClean="0"/>
-              <a:t>2017. 12. 8.</a:t>
+              <a:t>2017. 12. 10.</a:t>
             </a:fld>
             <a:endParaRPr lang="ko-KR" altLang="en-US"/>
           </a:p>
@@ -5827,7 +5782,7 @@
           <a:p>
             <a:fld id="{0317F239-EE01-4A70-A7D1-E3DF21DB9FCB}" type="datetimeFigureOut">
               <a:rPr lang="ko-KR" altLang="en-US" smtClean="0"/>
-              <a:t>2017. 12. 8.</a:t>
+              <a:t>2017. 12. 10.</a:t>
             </a:fld>
             <a:endParaRPr lang="ko-KR" altLang="en-US"/>
           </a:p>
@@ -5940,7 +5895,7 @@
           <a:p>
             <a:fld id="{0317F239-EE01-4A70-A7D1-E3DF21DB9FCB}" type="datetimeFigureOut">
               <a:rPr lang="ko-KR" altLang="en-US" smtClean="0"/>
-              <a:t>2017. 12. 8.</a:t>
+              <a:t>2017. 12. 10.</a:t>
             </a:fld>
             <a:endParaRPr lang="ko-KR" altLang="en-US"/>
           </a:p>
@@ -6251,7 +6206,7 @@
           <a:p>
             <a:fld id="{0317F239-EE01-4A70-A7D1-E3DF21DB9FCB}" type="datetimeFigureOut">
               <a:rPr lang="ko-KR" altLang="en-US" smtClean="0"/>
-              <a:t>2017. 12. 8.</a:t>
+              <a:t>2017. 12. 10.</a:t>
             </a:fld>
             <a:endParaRPr lang="ko-KR" altLang="en-US"/>
           </a:p>
@@ -6539,7 +6494,7 @@
           <a:p>
             <a:fld id="{0317F239-EE01-4A70-A7D1-E3DF21DB9FCB}" type="datetimeFigureOut">
               <a:rPr lang="ko-KR" altLang="en-US" smtClean="0"/>
-              <a:t>2017. 12. 8.</a:t>
+              <a:t>2017. 12. 10.</a:t>
             </a:fld>
             <a:endParaRPr lang="ko-KR" altLang="en-US"/>
           </a:p>
@@ -6780,7 +6735,7 @@
           <a:p>
             <a:fld id="{0317F239-EE01-4A70-A7D1-E3DF21DB9FCB}" type="datetimeFigureOut">
               <a:rPr lang="ko-KR" altLang="en-US" smtClean="0"/>
-              <a:t>2017. 12. 8.</a:t>
+              <a:t>2017. 12. 10.</a:t>
             </a:fld>
             <a:endParaRPr lang="ko-KR" altLang="en-US"/>
           </a:p>
@@ -7250,7 +7205,12 @@
             <p:ph type="subTitle" idx="1"/>
           </p:nvPr>
         </p:nvSpPr>
-        <p:spPr/>
+        <p:spPr>
+          <a:xfrm>
+            <a:off x="1524000" y="3602038"/>
+            <a:ext cx="9144000" cy="2783522"/>
+          </a:xfrm>
+        </p:spPr>
         <p:txBody>
           <a:bodyPr>
             <a:normAutofit/>
@@ -7258,11 +7218,39 @@
           <a:lstStyle/>
           <a:p>
             <a:r>
-              <a:rPr lang="en-US" altLang="ko-KR" dirty="0" smtClean="0">
+              <a:rPr lang="en-US" altLang="ko-KR" sz="1800" dirty="0" smtClean="0">
                 <a:latin typeface="Arial" panose="020B0604020202020204" pitchFamily="34" charset="0"/>
                 <a:cs typeface="Arial" panose="020B0604020202020204" pitchFamily="34" charset="0"/>
               </a:rPr>
-              <a:t>Group 16</a:t>
+              <a:t>-</a:t>
+            </a:r>
+            <a:r>
+              <a:rPr lang="ko-KR" altLang="en-US" sz="1800" dirty="0" smtClean="0">
+                <a:latin typeface="Arial" panose="020B0604020202020204" pitchFamily="34" charset="0"/>
+                <a:cs typeface="Arial" panose="020B0604020202020204" pitchFamily="34" charset="0"/>
+              </a:rPr>
+              <a:t> </a:t>
+            </a:r>
+            <a:r>
+              <a:rPr lang="en-US" altLang="ko-KR" sz="1800" dirty="0" smtClean="0">
+                <a:latin typeface="Arial" panose="020B0604020202020204" pitchFamily="34" charset="0"/>
+                <a:cs typeface="Arial" panose="020B0604020202020204" pitchFamily="34" charset="0"/>
+              </a:rPr>
+              <a:t>13</a:t>
+            </a:r>
+            <a:r>
+              <a:rPr lang="ko-KR" altLang="en-US" sz="1800" dirty="0" smtClean="0">
+                <a:latin typeface="Arial" panose="020B0604020202020204" pitchFamily="34" charset="0"/>
+                <a:cs typeface="Arial" panose="020B0604020202020204" pitchFamily="34" charset="0"/>
+              </a:rPr>
+              <a:t> </a:t>
+            </a:r>
+            <a:r>
+              <a:rPr lang="en-US" altLang="ko-KR" sz="1800" dirty="0" smtClean="0">
+                <a:latin typeface="Arial" panose="020B0604020202020204" pitchFamily="34" charset="0"/>
+                <a:cs typeface="Arial" panose="020B0604020202020204" pitchFamily="34" charset="0"/>
+              </a:rPr>
+              <a:t>DEC 2017 -</a:t>
             </a:r>
             <a:endParaRPr lang="en-US" altLang="ko-KR" dirty="0">
               <a:latin typeface="Arial" panose="020B0604020202020204" pitchFamily="34" charset="0"/>
@@ -7270,29 +7258,130 @@
             </a:endParaRPr>
           </a:p>
           <a:p>
+            <a:endParaRPr lang="en-US" altLang="ko-KR" dirty="0" smtClean="0">
+              <a:latin typeface="Arial" panose="020B0604020202020204" pitchFamily="34" charset="0"/>
+              <a:cs typeface="Arial" panose="020B0604020202020204" pitchFamily="34" charset="0"/>
+            </a:endParaRPr>
+          </a:p>
+          <a:p>
+            <a:r>
+              <a:rPr lang="en-US" altLang="ko-KR" dirty="0" smtClean="0">
+                <a:latin typeface="Arial" panose="020B0604020202020204" pitchFamily="34" charset="0"/>
+                <a:cs typeface="Arial" panose="020B0604020202020204" pitchFamily="34" charset="0"/>
+              </a:rPr>
+              <a:t>Park </a:t>
+            </a:r>
+            <a:r>
+              <a:rPr lang="en-US" altLang="ko-KR" dirty="0" err="1" smtClean="0">
+                <a:latin typeface="Arial" panose="020B0604020202020204" pitchFamily="34" charset="0"/>
+                <a:cs typeface="Arial" panose="020B0604020202020204" pitchFamily="34" charset="0"/>
+              </a:rPr>
+              <a:t>Jee</a:t>
+            </a:r>
+            <a:r>
+              <a:rPr lang="ko-KR" altLang="en-US" dirty="0" smtClean="0">
+                <a:latin typeface="Arial" panose="020B0604020202020204" pitchFamily="34" charset="0"/>
+                <a:cs typeface="Arial" panose="020B0604020202020204" pitchFamily="34" charset="0"/>
+              </a:rPr>
+              <a:t> </a:t>
+            </a:r>
+            <a:r>
+              <a:rPr lang="en-US" altLang="ko-KR" dirty="0" smtClean="0">
+                <a:latin typeface="Arial" panose="020B0604020202020204" pitchFamily="34" charset="0"/>
+                <a:cs typeface="Arial" panose="020B0604020202020204" pitchFamily="34" charset="0"/>
+              </a:rPr>
+              <a:t>Hyun</a:t>
+            </a:r>
+          </a:p>
+          <a:p>
+            <a:r>
+              <a:rPr lang="en-US" altLang="ko-KR" dirty="0" err="1">
+                <a:latin typeface="Arial" panose="020B0604020202020204" pitchFamily="34" charset="0"/>
+                <a:cs typeface="Arial" panose="020B0604020202020204" pitchFamily="34" charset="0"/>
+              </a:rPr>
+              <a:t>Mun</a:t>
+            </a:r>
             <a:r>
               <a:rPr lang="en-US" altLang="ko-KR" dirty="0">
                 <a:latin typeface="Arial" panose="020B0604020202020204" pitchFamily="34" charset="0"/>
                 <a:cs typeface="Arial" panose="020B0604020202020204" pitchFamily="34" charset="0"/>
               </a:rPr>
-              <a:t>-</a:t>
-            </a:r>
-          </a:p>
-          <a:p>
-            <a:r>
-              <a:rPr lang="en-US" altLang="ko-KR" dirty="0" smtClean="0">
-                <a:latin typeface="Arial" panose="020B0604020202020204" pitchFamily="34" charset="0"/>
-                <a:cs typeface="Arial" panose="020B0604020202020204" pitchFamily="34" charset="0"/>
-              </a:rPr>
-              <a:t>Park </a:t>
+              <a:t> Hyun </a:t>
             </a:r>
             <a:r>
               <a:rPr lang="en-US" altLang="ko-KR" dirty="0" err="1" smtClean="0">
                 <a:latin typeface="Arial" panose="020B0604020202020204" pitchFamily="34" charset="0"/>
                 <a:cs typeface="Arial" panose="020B0604020202020204" pitchFamily="34" charset="0"/>
               </a:rPr>
-              <a:t>JeeHyun</a:t>
-            </a:r>
+              <a:t>Gyu</a:t>
+            </a:r>
+            <a:endParaRPr lang="en-US" altLang="ko-KR" dirty="0" smtClean="0">
+              <a:latin typeface="Arial" panose="020B0604020202020204" pitchFamily="34" charset="0"/>
+              <a:cs typeface="Arial" panose="020B0604020202020204" pitchFamily="34" charset="0"/>
+            </a:endParaRPr>
+          </a:p>
+          <a:p>
+            <a:r>
+              <a:rPr lang="en-US" altLang="ko-KR" dirty="0" err="1">
+                <a:latin typeface="Arial" panose="020B0604020202020204" pitchFamily="34" charset="0"/>
+                <a:cs typeface="Arial" panose="020B0604020202020204" pitchFamily="34" charset="0"/>
+              </a:rPr>
+              <a:t>Ahn</a:t>
+            </a:r>
+            <a:r>
+              <a:rPr lang="en-US" altLang="ko-KR" dirty="0">
+                <a:latin typeface="Arial" panose="020B0604020202020204" pitchFamily="34" charset="0"/>
+                <a:cs typeface="Arial" panose="020B0604020202020204" pitchFamily="34" charset="0"/>
+              </a:rPr>
+              <a:t> ho </a:t>
+            </a:r>
+            <a:r>
+              <a:rPr lang="en-US" altLang="ko-KR" dirty="0" err="1" smtClean="0">
+                <a:latin typeface="Arial" panose="020B0604020202020204" pitchFamily="34" charset="0"/>
+                <a:cs typeface="Arial" panose="020B0604020202020204" pitchFamily="34" charset="0"/>
+              </a:rPr>
+              <a:t>geun</a:t>
+            </a:r>
+            <a:endParaRPr lang="en-US" altLang="ko-KR" dirty="0" smtClean="0">
+              <a:latin typeface="Arial" panose="020B0604020202020204" pitchFamily="34" charset="0"/>
+              <a:cs typeface="Arial" panose="020B0604020202020204" pitchFamily="34" charset="0"/>
+            </a:endParaRPr>
+          </a:p>
+          <a:p>
+            <a:r>
+              <a:rPr lang="en-US" altLang="ko-KR" dirty="0">
+                <a:latin typeface="Arial" panose="020B0604020202020204" pitchFamily="34" charset="0"/>
+                <a:cs typeface="Arial" panose="020B0604020202020204" pitchFamily="34" charset="0"/>
+              </a:rPr>
+              <a:t>Kim </a:t>
+            </a:r>
+            <a:r>
+              <a:rPr lang="en-US" altLang="ko-KR" dirty="0" err="1">
+                <a:latin typeface="Arial" panose="020B0604020202020204" pitchFamily="34" charset="0"/>
+                <a:cs typeface="Arial" panose="020B0604020202020204" pitchFamily="34" charset="0"/>
+              </a:rPr>
+              <a:t>Jin</a:t>
+            </a:r>
+            <a:r>
+              <a:rPr lang="en-US" altLang="ko-KR" dirty="0">
+                <a:latin typeface="Arial" panose="020B0604020202020204" pitchFamily="34" charset="0"/>
+                <a:cs typeface="Arial" panose="020B0604020202020204" pitchFamily="34" charset="0"/>
+              </a:rPr>
+              <a:t> </a:t>
+            </a:r>
+            <a:r>
+              <a:rPr lang="en-US" altLang="ko-KR" dirty="0" err="1">
+                <a:latin typeface="Arial" panose="020B0604020202020204" pitchFamily="34" charset="0"/>
+                <a:cs typeface="Arial" panose="020B0604020202020204" pitchFamily="34" charset="0"/>
+              </a:rPr>
+              <a:t>Ook</a:t>
+            </a:r>
+            <a:endParaRPr lang="en-US" altLang="ko-KR" dirty="0">
+              <a:latin typeface="Arial" panose="020B0604020202020204" pitchFamily="34" charset="0"/>
+              <a:cs typeface="Arial" panose="020B0604020202020204" pitchFamily="34" charset="0"/>
+            </a:endParaRPr>
+          </a:p>
+          <a:p>
             <a:endParaRPr lang="en-US" altLang="ko-KR" dirty="0">
               <a:latin typeface="Arial" panose="020B0604020202020204" pitchFamily="34" charset="0"/>
               <a:cs typeface="Arial" panose="020B0604020202020204" pitchFamily="34" charset="0"/>
@@ -10145,10 +10234,6 @@
               </a:rPr>
               <a:t> </a:t>
             </a:r>
-            <a:endParaRPr lang="en-US" altLang="ko-KR" dirty="0" smtClean="0">
-              <a:latin typeface="Arial" panose="020B0604020202020204" pitchFamily="34" charset="0"/>
-              <a:cs typeface="Arial" panose="020B0604020202020204" pitchFamily="34" charset="0"/>
-            </a:endParaRPr>
           </a:p>
           <a:p>
             <a:pPr lvl="1"/>
@@ -16468,10 +16553,6 @@
               </a:rPr>
               <a:t>Results</a:t>
             </a:r>
-            <a:endParaRPr lang="en-US" altLang="ko-KR" dirty="0" smtClean="0">
-              <a:latin typeface="Arial" panose="020B0604020202020204" pitchFamily="34" charset="0"/>
-              <a:cs typeface="Arial" panose="020B0604020202020204" pitchFamily="34" charset="0"/>
-            </a:endParaRPr>
           </a:p>
           <a:p>
             <a:pPr marL="514350" indent="-514350">
@@ -16683,45 +16764,72 @@
           <a:lstStyle/>
           <a:p>
             <a:r>
-              <a:rPr lang="en-US" altLang="ko-KR" dirty="0" err="1" smtClean="0">
-                <a:latin typeface="Arial" panose="020B0604020202020204" pitchFamily="34" charset="0"/>
-                <a:cs typeface="Arial" panose="020B0604020202020204" pitchFamily="34" charset="0"/>
-              </a:rPr>
-              <a:t>Jupyter</a:t>
-            </a:r>
-            <a:r>
               <a:rPr lang="en-US" altLang="ko-KR" dirty="0" smtClean="0">
                 <a:latin typeface="Arial" panose="020B0604020202020204" pitchFamily="34" charset="0"/>
                 <a:cs typeface="Arial" panose="020B0604020202020204" pitchFamily="34" charset="0"/>
               </a:rPr>
-              <a:t> notebook</a:t>
+              <a:t>[project note]</a:t>
             </a:r>
           </a:p>
           <a:p>
             <a:pPr lvl="1"/>
+            <a:r>
+              <a:rPr lang="en-US" altLang="ko-KR" dirty="0">
+                <a:latin typeface="Arial" panose="020B0604020202020204" pitchFamily="34" charset="0"/>
+                <a:cs typeface="Arial" panose="020B0604020202020204" pitchFamily="34" charset="0"/>
+                <a:hlinkClick r:id="rId2" invalidUrl="https://github.com/jhyun0919/skku_python_proj/blob/master/codes/%5BPROJECT_FILE%5D Historical Finance Data.ipynb"/>
+              </a:rPr>
+              <a:t>https://github.com/jhyun0919/skku_python_proj/blob/master/codes/%</a:t>
+            </a:r>
             <a:r>
               <a:rPr lang="en-US" altLang="ko-KR" dirty="0" smtClean="0">
                 <a:latin typeface="Arial" panose="020B0604020202020204" pitchFamily="34" charset="0"/>
                 <a:cs typeface="Arial" panose="020B0604020202020204" pitchFamily="34" charset="0"/>
-                <a:hlinkClick r:id="rId2" invalidUrl="https://github.com/jhyun0919/skku_python_proj/blob/master/codes/%5BPROJECT_FILE%5D Historical Finance Data.ipynb"/>
-              </a:rPr>
-              <a:t>https</a:t>
-            </a:r>
+                <a:hlinkClick r:id="rId3" invalidUrl="https://github.com/jhyun0919/skku_python_proj/blob/master/codes/%5BPROJECT_FILE%5D Historical Finance Data.ipynb"/>
+              </a:rPr>
+              <a:t>5BPROJECT_FILE%5D%20Historical%20Finance%20Data.ipynb</a:t>
+            </a:r>
+            <a:r>
+              <a:rPr lang="en-US" altLang="ko-KR" dirty="0" smtClean="0">
+                <a:latin typeface="Arial" panose="020B0604020202020204" pitchFamily="34" charset="0"/>
+                <a:cs typeface="Arial" panose="020B0604020202020204" pitchFamily="34" charset="0"/>
+              </a:rPr>
+              <a:t> </a:t>
+            </a:r>
+          </a:p>
+          <a:p>
+            <a:pPr lvl="1"/>
+            <a:endParaRPr lang="en-US" altLang="ko-KR" dirty="0">
+              <a:latin typeface="Arial" panose="020B0604020202020204" pitchFamily="34" charset="0"/>
+              <a:cs typeface="Arial" panose="020B0604020202020204" pitchFamily="34" charset="0"/>
+            </a:endParaRPr>
+          </a:p>
+          <a:p>
+            <a:r>
+              <a:rPr lang="en-US" altLang="ko-KR" dirty="0" smtClean="0">
+                <a:latin typeface="Arial" panose="020B0604020202020204" pitchFamily="34" charset="0"/>
+                <a:cs typeface="Arial" panose="020B0604020202020204" pitchFamily="34" charset="0"/>
+              </a:rPr>
+              <a:t>[practice note]</a:t>
+            </a:r>
+          </a:p>
+          <a:p>
+            <a:pPr lvl="1"/>
             <a:r>
               <a:rPr lang="en-US" altLang="ko-KR" dirty="0">
                 <a:latin typeface="Arial" panose="020B0604020202020204" pitchFamily="34" charset="0"/>
                 <a:cs typeface="Arial" panose="020B0604020202020204" pitchFamily="34" charset="0"/>
-                <a:hlinkClick r:id="rId3" invalidUrl="https://github.com/jhyun0919/skku_python_proj/blob/master/codes/%5BPROJECT_FILE%5D Historical Finance Data.ipynb"/>
-              </a:rPr>
-              <a:t>://github.com/jhyun0919/skku_python_proj/blob/master/codes/%</a:t>
+                <a:hlinkClick r:id="rId4" invalidUrl="https://github.com/jhyun0919/skku_python_proj/blob/master/codes/%5Bpracice note%5D Historical Finance Data.ipynb"/>
+              </a:rPr>
+              <a:t>https://github.com/jhyun0919/skku_python_proj/blob/master/codes/%</a:t>
             </a:r>
             <a:r>
               <a:rPr lang="en-US" altLang="ko-KR" dirty="0" smtClean="0">
                 <a:latin typeface="Arial" panose="020B0604020202020204" pitchFamily="34" charset="0"/>
                 <a:cs typeface="Arial" panose="020B0604020202020204" pitchFamily="34" charset="0"/>
-                <a:hlinkClick r:id="rId4" invalidUrl="https://github.com/jhyun0919/skku_python_proj/blob/master/codes/%5BPROJECT_FILE%5D Historical Finance Data.ipynb"/>
-              </a:rPr>
-              <a:t>5BPROJECT_FILE%5D%20Historical%20Finance%20Data.ipynb</a:t>
+                <a:hlinkClick r:id="rId5" invalidUrl="https://github.com/jhyun0919/skku_python_proj/blob/master/codes/%5Bpracice note%5D Historical Finance Data.ipynb"/>
+              </a:rPr>
+              <a:t>5Bpracice%20note%5D%20Historical%20Finance%20Data.ipynb</a:t>
             </a:r>
             <a:endParaRPr lang="ko-KR" altLang="en-US" dirty="0">
               <a:latin typeface="Arial" panose="020B0604020202020204" pitchFamily="34" charset="0"/>
@@ -19878,15 +19986,7 @@
                     <a:schemeClr val="tx1"/>
                   </a:solidFill>
                 </a:rPr>
-                <a:t>self</a:t>
-              </a:r>
-              <a:r>
-                <a:rPr lang="en-US" sz="1400" dirty="0" err="1" smtClean="0">
-                  <a:solidFill>
-                    <a:schemeClr val="tx1"/>
-                  </a:solidFill>
-                </a:rPr>
-                <a:t>._</a:t>
+                <a:t>self._</a:t>
               </a:r>
               <a:r>
                 <a:rPr lang="en-US" sz="1400" dirty="0" err="1">
